--- a/개발문서/영화관 - 클래스설계.pptx
+++ b/개발문서/영화관 - 클래스설계.pptx
@@ -2623,10 +2623,14 @@
               <a:buNone/>
             </a:pPr>
             <a:r>
-              <a:rPr lang="ko-KR"/>
-              <a:t>todayNum..?</a:t>
+              <a:rPr lang="ko-KR" dirty="0" err="1"/>
+              <a:t>todayNum</a:t>
             </a:r>
-            <a:endParaRPr/>
+            <a:r>
+              <a:rPr lang="ko-KR" dirty="0"/>
+              <a:t>..?</a:t>
+            </a:r>
+            <a:endParaRPr dirty="0"/>
           </a:p>
           <a:p>
             <a:pPr marL="0" lvl="0" indent="0" algn="l" rtl="0">
@@ -2639,10 +2643,26 @@
               <a:buNone/>
             </a:pPr>
             <a:r>
-              <a:rPr lang="ko-KR"/>
-              <a:t>-&gt; 전날꺼로 하면 변수명 바꾸기</a:t>
+              <a:rPr lang="ko-KR" dirty="0"/>
+              <a:t>-&gt; </a:t>
             </a:r>
-            <a:endParaRPr/>
+            <a:r>
+              <a:rPr lang="ko-KR" dirty="0" err="1"/>
+              <a:t>전날꺼로</a:t>
+            </a:r>
+            <a:r>
+              <a:rPr lang="ko-KR" dirty="0"/>
+              <a:t> 하면 </a:t>
+            </a:r>
+            <a:r>
+              <a:rPr lang="ko-KR" dirty="0" err="1"/>
+              <a:t>변수명</a:t>
+            </a:r>
+            <a:r>
+              <a:rPr lang="ko-KR" dirty="0"/>
+              <a:t> 바꾸기</a:t>
+            </a:r>
+            <a:endParaRPr dirty="0"/>
           </a:p>
           <a:p>
             <a:pPr marL="0" lvl="0" indent="0" algn="l" rtl="0">
@@ -2654,7 +2674,7 @@
               </a:spcAft>
               <a:buNone/>
             </a:pPr>
-            <a:endParaRPr/>
+            <a:endParaRPr dirty="0"/>
           </a:p>
           <a:p>
             <a:pPr marL="0" lvl="0" indent="0" algn="l" rtl="0">
@@ -2667,10 +2687,18 @@
               <a:buNone/>
             </a:pPr>
             <a:r>
-              <a:rPr lang="ko-KR"/>
-              <a:t>요구사항에 예매율의 기준을 적어두고 그거에 맞춰서 하기</a:t>
+              <a:rPr lang="ko-KR" dirty="0"/>
+              <a:t>요구사항에 예매율의 기준을 </a:t>
             </a:r>
-            <a:endParaRPr/>
+            <a:r>
+              <a:rPr lang="ko-KR" dirty="0" err="1"/>
+              <a:t>적어두고</a:t>
+            </a:r>
+            <a:r>
+              <a:rPr lang="ko-KR" dirty="0"/>
+              <a:t> 그거에 맞춰서 하기</a:t>
+            </a:r>
+            <a:endParaRPr dirty="0"/>
           </a:p>
           <a:p>
             <a:pPr marL="0" lvl="0" indent="0" algn="l" rtl="0">
@@ -2682,7 +2710,7 @@
               </a:spcAft>
               <a:buNone/>
             </a:pPr>
-            <a:endParaRPr/>
+            <a:endParaRPr dirty="0"/>
           </a:p>
         </p:txBody>
       </p:sp>
@@ -15517,9 +15545,45 @@
           <a:chExt cx="0" cy="0"/>
         </a:xfrm>
       </p:grpSpPr>
+      <p:pic>
+        <p:nvPicPr>
+          <p:cNvPr id="3" name="그림 2">
+            <a:extLst>
+              <a:ext uri="{FF2B5EF4-FFF2-40B4-BE49-F238E27FC236}">
+                <a16:creationId xmlns:a16="http://schemas.microsoft.com/office/drawing/2014/main" id="{4310BF48-844C-4090-8329-6CF7D49DC720}"/>
+              </a:ext>
+            </a:extLst>
+          </p:cNvPr>
+          <p:cNvPicPr>
+            <a:picLocks noChangeAspect="1"/>
+          </p:cNvPicPr>
+          <p:nvPr/>
+        </p:nvPicPr>
+        <p:blipFill>
+          <a:blip r:embed="rId3"/>
+          <a:stretch>
+            <a:fillRect/>
+          </a:stretch>
+        </p:blipFill>
+        <p:spPr>
+          <a:xfrm>
+            <a:off x="0" y="302740"/>
+            <a:ext cx="9144000" cy="5109519"/>
+          </a:xfrm>
+          <a:prstGeom prst="rect">
+            <a:avLst/>
+          </a:prstGeom>
+        </p:spPr>
+      </p:pic>
       <p:sp>
         <p:nvSpPr>
-          <p:cNvPr id="79" name="Google Shape;79;p11"/>
+          <p:cNvPr id="5" name="Google Shape;79;p11">
+            <a:extLst>
+              <a:ext uri="{FF2B5EF4-FFF2-40B4-BE49-F238E27FC236}">
+                <a16:creationId xmlns:a16="http://schemas.microsoft.com/office/drawing/2014/main" id="{13675EF8-B9EF-4BB7-87BB-6DEBF8509872}"/>
+              </a:ext>
+            </a:extLst>
+          </p:cNvPr>
           <p:cNvSpPr txBox="1"/>
           <p:nvPr/>
         </p:nvSpPr>
@@ -15570,36 +15634,6 @@
           </a:p>
         </p:txBody>
       </p:sp>
-      <p:pic>
-        <p:nvPicPr>
-          <p:cNvPr id="2" name="그림 1"/>
-          <p:cNvPicPr>
-            <a:picLocks noChangeAspect="1"/>
-          </p:cNvPicPr>
-          <p:nvPr/>
-        </p:nvPicPr>
-        <p:blipFill>
-          <a:blip r:embed="rId3">
-            <a:extLst>
-              <a:ext uri="{28A0092B-C50C-407E-A947-70E740481C1C}">
-                <a14:useLocalDpi xmlns:a14="http://schemas.microsoft.com/office/drawing/2010/main" val="0"/>
-              </a:ext>
-            </a:extLst>
-          </a:blip>
-          <a:stretch>
-            <a:fillRect/>
-          </a:stretch>
-        </p:blipFill>
-        <p:spPr>
-          <a:xfrm>
-            <a:off x="110103" y="437940"/>
-            <a:ext cx="8923793" cy="4839119"/>
-          </a:xfrm>
-          <a:prstGeom prst="rect">
-            <a:avLst/>
-          </a:prstGeom>
-        </p:spPr>
-      </p:pic>
     </p:spTree>
   </p:cSld>
   <p:clrMapOvr>
@@ -16456,28 +16490,58 @@
       </p:sp>
       <p:pic>
         <p:nvPicPr>
-          <p:cNvPr id="2" name="그림 1"/>
+          <p:cNvPr id="3" name="그림 2">
+            <a:extLst>
+              <a:ext uri="{FF2B5EF4-FFF2-40B4-BE49-F238E27FC236}">
+                <a16:creationId xmlns:a16="http://schemas.microsoft.com/office/drawing/2014/main" id="{9A910CF1-89B5-4647-96DA-9E47C98C0AA3}"/>
+              </a:ext>
+            </a:extLst>
+          </p:cNvPr>
           <p:cNvPicPr>
             <a:picLocks noChangeAspect="1"/>
           </p:cNvPicPr>
           <p:nvPr/>
         </p:nvPicPr>
         <p:blipFill>
-          <a:blip r:embed="rId3">
-            <a:extLst>
-              <a:ext uri="{28A0092B-C50C-407E-A947-70E740481C1C}">
-                <a14:useLocalDpi xmlns:a14="http://schemas.microsoft.com/office/drawing/2010/main" val="0"/>
-              </a:ext>
-            </a:extLst>
-          </a:blip>
+          <a:blip r:embed="rId3"/>
           <a:stretch>
             <a:fillRect/>
           </a:stretch>
         </p:blipFill>
         <p:spPr>
           <a:xfrm>
-            <a:off x="121534" y="445561"/>
-            <a:ext cx="8900931" cy="4823878"/>
+            <a:off x="965793" y="137761"/>
+            <a:ext cx="7539198" cy="5192522"/>
+          </a:xfrm>
+          <a:prstGeom prst="rect">
+            <a:avLst/>
+          </a:prstGeom>
+        </p:spPr>
+      </p:pic>
+      <p:pic>
+        <p:nvPicPr>
+          <p:cNvPr id="4" name="그림 3">
+            <a:extLst>
+              <a:ext uri="{FF2B5EF4-FFF2-40B4-BE49-F238E27FC236}">
+                <a16:creationId xmlns:a16="http://schemas.microsoft.com/office/drawing/2014/main" id="{3922AC84-9E17-47FC-AA43-E4215375DE1C}"/>
+              </a:ext>
+            </a:extLst>
+          </p:cNvPr>
+          <p:cNvPicPr>
+            <a:picLocks noChangeAspect="1"/>
+          </p:cNvPicPr>
+          <p:nvPr/>
+        </p:nvPicPr>
+        <p:blipFill>
+          <a:blip r:embed="rId4"/>
+          <a:stretch>
+            <a:fillRect/>
+          </a:stretch>
+        </p:blipFill>
+        <p:spPr>
+          <a:xfrm>
+            <a:off x="1880839" y="5330284"/>
+            <a:ext cx="4272916" cy="246956"/>
           </a:xfrm>
           <a:prstGeom prst="rect">
             <a:avLst/>
